--- a/Deliverables/D2.1/Presentation1.pptx
+++ b/Deliverables/D2.1/Presentation1.pptx
@@ -114,6 +114,11 @@
       </a:defRPr>
     </a:lvl9pPr>
   </p:defaultTextStyle>
+  <p:extLst>
+    <p:ext uri="{EFAFB233-063F-42B5-8137-9DF3F51BA10A}">
+      <p15:sldGuideLst xmlns:p15="http://schemas.microsoft.com/office/powerpoint/2012/main"/>
+    </p:ext>
+  </p:extLst>
 </p:presentation>
 </file>
 
@@ -264,7 +269,7 @@
           <a:p>
             <a:fld id="{8AA684FB-7BD3-664E-8C88-634980B7C166}" type="datetimeFigureOut">
               <a:rPr lang="en-GB" smtClean="0"/>
-              <a:t>10/02/2022</a:t>
+              <a:t>17/02/2022</a:t>
             </a:fld>
             <a:endParaRPr lang="en-GB"/>
           </a:p>
@@ -462,7 +467,7 @@
           <a:p>
             <a:fld id="{8AA684FB-7BD3-664E-8C88-634980B7C166}" type="datetimeFigureOut">
               <a:rPr lang="en-GB" smtClean="0"/>
-              <a:t>10/02/2022</a:t>
+              <a:t>17/02/2022</a:t>
             </a:fld>
             <a:endParaRPr lang="en-GB"/>
           </a:p>
@@ -670,7 +675,7 @@
           <a:p>
             <a:fld id="{8AA684FB-7BD3-664E-8C88-634980B7C166}" type="datetimeFigureOut">
               <a:rPr lang="en-GB" smtClean="0"/>
-              <a:t>10/02/2022</a:t>
+              <a:t>17/02/2022</a:t>
             </a:fld>
             <a:endParaRPr lang="en-GB"/>
           </a:p>
@@ -1279,7 +1284,7 @@
           <a:p>
             <a:fld id="{8AA684FB-7BD3-664E-8C88-634980B7C166}" type="datetimeFigureOut">
               <a:rPr lang="en-GB" smtClean="0"/>
-              <a:t>10/02/2022</a:t>
+              <a:t>17/02/2022</a:t>
             </a:fld>
             <a:endParaRPr lang="en-GB"/>
           </a:p>
@@ -1554,7 +1559,7 @@
           <a:p>
             <a:fld id="{8AA684FB-7BD3-664E-8C88-634980B7C166}" type="datetimeFigureOut">
               <a:rPr lang="en-GB" smtClean="0"/>
-              <a:t>10/02/2022</a:t>
+              <a:t>17/02/2022</a:t>
             </a:fld>
             <a:endParaRPr lang="en-GB"/>
           </a:p>
@@ -1819,7 +1824,7 @@
           <a:p>
             <a:fld id="{8AA684FB-7BD3-664E-8C88-634980B7C166}" type="datetimeFigureOut">
               <a:rPr lang="en-GB" smtClean="0"/>
-              <a:t>10/02/2022</a:t>
+              <a:t>17/02/2022</a:t>
             </a:fld>
             <a:endParaRPr lang="en-GB"/>
           </a:p>
@@ -2231,7 +2236,7 @@
           <a:p>
             <a:fld id="{8AA684FB-7BD3-664E-8C88-634980B7C166}" type="datetimeFigureOut">
               <a:rPr lang="en-GB" smtClean="0"/>
-              <a:t>10/02/2022</a:t>
+              <a:t>17/02/2022</a:t>
             </a:fld>
             <a:endParaRPr lang="en-GB"/>
           </a:p>
@@ -2372,7 +2377,7 @@
           <a:p>
             <a:fld id="{8AA684FB-7BD3-664E-8C88-634980B7C166}" type="datetimeFigureOut">
               <a:rPr lang="en-GB" smtClean="0"/>
-              <a:t>10/02/2022</a:t>
+              <a:t>17/02/2022</a:t>
             </a:fld>
             <a:endParaRPr lang="en-GB"/>
           </a:p>
@@ -2485,7 +2490,7 @@
           <a:p>
             <a:fld id="{8AA684FB-7BD3-664E-8C88-634980B7C166}" type="datetimeFigureOut">
               <a:rPr lang="en-GB" smtClean="0"/>
-              <a:t>10/02/2022</a:t>
+              <a:t>17/02/2022</a:t>
             </a:fld>
             <a:endParaRPr lang="en-GB"/>
           </a:p>
@@ -2796,7 +2801,7 @@
           <a:p>
             <a:fld id="{8AA684FB-7BD3-664E-8C88-634980B7C166}" type="datetimeFigureOut">
               <a:rPr lang="en-GB" smtClean="0"/>
-              <a:t>10/02/2022</a:t>
+              <a:t>17/02/2022</a:t>
             </a:fld>
             <a:endParaRPr lang="en-GB"/>
           </a:p>
@@ -3084,7 +3089,7 @@
           <a:p>
             <a:fld id="{8AA684FB-7BD3-664E-8C88-634980B7C166}" type="datetimeFigureOut">
               <a:rPr lang="en-GB" smtClean="0"/>
-              <a:t>10/02/2022</a:t>
+              <a:t>17/02/2022</a:t>
             </a:fld>
             <a:endParaRPr lang="en-GB"/>
           </a:p>
@@ -3325,7 +3330,7 @@
           <a:p>
             <a:fld id="{8AA684FB-7BD3-664E-8C88-634980B7C166}" type="datetimeFigureOut">
               <a:rPr lang="en-GB" smtClean="0"/>
-              <a:t>10/02/2022</a:t>
+              <a:t>17/02/2022</a:t>
             </a:fld>
             <a:endParaRPr lang="en-GB"/>
           </a:p>
@@ -13983,8 +13988,8 @@
           <a:chExt cx="0" cy="0"/>
         </a:xfrm>
       </p:grpSpPr>
-      <mc:AlternateContent xmlns:mc="http://schemas.openxmlformats.org/markup-compatibility/2006">
-        <mc:Choice xmlns:a14="http://schemas.microsoft.com/office/drawing/2010/main" Requires="a14">
+      <mc:AlternateContent xmlns:mc="http://schemas.openxmlformats.org/markup-compatibility/2006" xmlns:a14="http://schemas.microsoft.com/office/drawing/2010/main">
+        <mc:Choice Requires="a14">
           <p:sp>
             <p:nvSpPr>
               <p:cNvPr id="147" name="TextBox 146">
@@ -14032,7 +14037,7 @@
             </p:txBody>
           </p:sp>
         </mc:Choice>
-        <mc:Fallback>
+        <mc:Fallback xmlns="">
           <p:sp>
             <p:nvSpPr>
               <p:cNvPr id="147" name="TextBox 146">
@@ -14077,8 +14082,8 @@
           </p:sp>
         </mc:Fallback>
       </mc:AlternateContent>
-      <mc:AlternateContent xmlns:mc="http://schemas.openxmlformats.org/markup-compatibility/2006">
-        <mc:Choice xmlns:a14="http://schemas.microsoft.com/office/drawing/2010/main" Requires="a14">
+      <mc:AlternateContent xmlns:mc="http://schemas.openxmlformats.org/markup-compatibility/2006" xmlns:a14="http://schemas.microsoft.com/office/drawing/2010/main">
+        <mc:Choice Requires="a14">
           <p:sp>
             <p:nvSpPr>
               <p:cNvPr id="149" name="TextBox 148">
@@ -14132,7 +14137,7 @@
             </p:txBody>
           </p:sp>
         </mc:Choice>
-        <mc:Fallback>
+        <mc:Fallback xmlns="">
           <p:sp>
             <p:nvSpPr>
               <p:cNvPr id="149" name="TextBox 148">
@@ -17239,8 +17244,8 @@
           <a:chExt cx="0" cy="0"/>
         </a:xfrm>
       </p:grpSpPr>
-      <mc:AlternateContent xmlns:mc="http://schemas.openxmlformats.org/markup-compatibility/2006">
-        <mc:Choice xmlns:a14="http://schemas.microsoft.com/office/drawing/2010/main" Requires="a14">
+      <mc:AlternateContent xmlns:mc="http://schemas.openxmlformats.org/markup-compatibility/2006" xmlns:a14="http://schemas.microsoft.com/office/drawing/2010/main">
+        <mc:Choice Requires="a14">
           <p:sp>
             <p:nvSpPr>
               <p:cNvPr id="149" name="TextBox 148">
@@ -17294,7 +17299,7 @@
             </p:txBody>
           </p:sp>
         </mc:Choice>
-        <mc:Fallback>
+        <mc:Fallback xmlns="">
           <p:sp>
             <p:nvSpPr>
               <p:cNvPr id="149" name="TextBox 148">
@@ -17359,8 +17364,8 @@
             <a:chExt cx="7429059" cy="3129409"/>
           </a:xfrm>
         </p:grpSpPr>
-        <mc:AlternateContent xmlns:mc="http://schemas.openxmlformats.org/markup-compatibility/2006">
-          <mc:Choice xmlns:a14="http://schemas.microsoft.com/office/drawing/2010/main" Requires="a14">
+        <mc:AlternateContent xmlns:mc="http://schemas.openxmlformats.org/markup-compatibility/2006" xmlns:a14="http://schemas.microsoft.com/office/drawing/2010/main">
+          <mc:Choice Requires="a14">
             <p:sp>
               <p:nvSpPr>
                 <p:cNvPr id="147" name="TextBox 146">
@@ -17395,6 +17400,7 @@
                   </a:r>
                 </a:p>
                 <a:p>
+                  <a:pPr/>
                   <a14:m>
                     <m:oMathPara xmlns:m="http://schemas.openxmlformats.org/officeDocument/2006/math">
                       <m:oMathParaPr>
@@ -17451,7 +17457,7 @@
               </p:txBody>
             </p:sp>
           </mc:Choice>
-          <mc:Fallback>
+          <mc:Fallback xmlns="">
             <p:sp>
               <p:nvSpPr>
                 <p:cNvPr id="147" name="TextBox 146">
@@ -20514,8 +20520,8 @@
             </p:txBody>
           </p:sp>
         </p:grpSp>
-        <mc:AlternateContent xmlns:mc="http://schemas.openxmlformats.org/markup-compatibility/2006">
-          <mc:Choice xmlns:a14="http://schemas.microsoft.com/office/drawing/2010/main" Requires="a14">
+        <mc:AlternateContent xmlns:mc="http://schemas.openxmlformats.org/markup-compatibility/2006" xmlns:a14="http://schemas.microsoft.com/office/drawing/2010/main">
+          <mc:Choice Requires="a14">
             <p:sp>
               <p:nvSpPr>
                 <p:cNvPr id="70" name="TextBox 69">
@@ -20550,6 +20556,7 @@
                   </a:r>
                 </a:p>
                 <a:p>
+                  <a:pPr/>
                   <a14:m>
                     <m:oMathPara xmlns:m="http://schemas.openxmlformats.org/officeDocument/2006/math">
                       <m:oMathParaPr>
@@ -20602,25 +20609,7 @@
                           <a:rPr lang="en-GB" sz="1465" b="0" i="1" smtClean="0">
                             <a:latin typeface="Cambria Math" panose="02040503050406030204" pitchFamily="18" charset="0"/>
                           </a:rPr>
-                          <m:t>29</m:t>
-                        </m:r>
-                        <m:r>
-                          <a:rPr lang="en-GB" sz="1465" b="0" i="1" smtClean="0">
-                            <a:latin typeface="Cambria Math" panose="02040503050406030204" pitchFamily="18" charset="0"/>
-                          </a:rPr>
-                          <m:t>→</m:t>
-                        </m:r>
-                        <m:r>
-                          <a:rPr lang="en-GB" sz="1465" b="0" i="1" smtClean="0">
-                            <a:latin typeface="Cambria Math" panose="02040503050406030204" pitchFamily="18" charset="0"/>
-                          </a:rPr>
-                          <m:t>11</m:t>
-                        </m:r>
-                        <m:r>
-                          <a:rPr lang="en-GB" sz="1465" b="0" i="1" smtClean="0">
-                            <a:latin typeface="Cambria Math" panose="02040503050406030204" pitchFamily="18" charset="0"/>
-                          </a:rPr>
-                          <m:t> →2</m:t>
+                          <m:t>29→11 →2</m:t>
                         </m:r>
                       </m:oMath>
                     </m:oMathPara>
@@ -20630,7 +20619,7 @@
               </p:txBody>
             </p:sp>
           </mc:Choice>
-          <mc:Fallback>
+          <mc:Fallback xmlns="">
             <p:sp>
               <p:nvSpPr>
                 <p:cNvPr id="70" name="TextBox 69">
@@ -20675,8 +20664,8 @@
             </p:sp>
           </mc:Fallback>
         </mc:AlternateContent>
-        <mc:AlternateContent xmlns:mc="http://schemas.openxmlformats.org/markup-compatibility/2006">
-          <mc:Choice xmlns:a14="http://schemas.microsoft.com/office/drawing/2010/main" Requires="a14">
+        <mc:AlternateContent xmlns:mc="http://schemas.openxmlformats.org/markup-compatibility/2006" xmlns:a14="http://schemas.microsoft.com/office/drawing/2010/main">
+          <mc:Choice Requires="a14">
             <p:sp>
               <p:nvSpPr>
                 <p:cNvPr id="71" name="TextBox 70">
@@ -20712,6 +20701,7 @@
                   </a:r>
                 </a:p>
                 <a:p>
+                  <a:pPr/>
                   <a14:m>
                     <m:oMathPara xmlns:m="http://schemas.openxmlformats.org/officeDocument/2006/math">
                       <m:oMathParaPr>
@@ -20756,7 +20746,7 @@
               </p:txBody>
             </p:sp>
           </mc:Choice>
-          <mc:Fallback>
+          <mc:Fallback xmlns="">
             <p:sp>
               <p:nvSpPr>
                 <p:cNvPr id="71" name="TextBox 70">
@@ -42545,8 +42535,8 @@
             <a:chExt cx="4859853" cy="3893137"/>
           </a:xfrm>
         </p:grpSpPr>
-        <mc:AlternateContent xmlns:mc="http://schemas.openxmlformats.org/markup-compatibility/2006">
-          <mc:Choice xmlns:a14="http://schemas.microsoft.com/office/drawing/2010/main" Requires="a14">
+        <mc:AlternateContent xmlns:mc="http://schemas.openxmlformats.org/markup-compatibility/2006" xmlns:a14="http://schemas.microsoft.com/office/drawing/2010/main">
+          <mc:Choice Requires="a14">
             <p:sp>
               <p:nvSpPr>
                 <p:cNvPr id="10" name="TextBox 9">
@@ -42575,6 +42565,7 @@
                 </a:bodyPr>
                 <a:lstStyle/>
                 <a:p>
+                  <a:pPr/>
                   <a14:m>
                     <m:oMathPara xmlns:m="http://schemas.openxmlformats.org/officeDocument/2006/math">
                       <m:oMathParaPr>
@@ -42607,7 +42598,7 @@
               </p:txBody>
             </p:sp>
           </mc:Choice>
-          <mc:Fallback>
+          <mc:Fallback xmlns="">
             <p:sp>
               <p:nvSpPr>
                 <p:cNvPr id="10" name="TextBox 9">
@@ -42652,8 +42643,8 @@
             </p:sp>
           </mc:Fallback>
         </mc:AlternateContent>
-        <mc:AlternateContent xmlns:mc="http://schemas.openxmlformats.org/markup-compatibility/2006">
-          <mc:Choice xmlns:a14="http://schemas.microsoft.com/office/drawing/2010/main" Requires="a14">
+        <mc:AlternateContent xmlns:mc="http://schemas.openxmlformats.org/markup-compatibility/2006" xmlns:a14="http://schemas.microsoft.com/office/drawing/2010/main">
+          <mc:Choice Requires="a14">
             <p:sp>
               <p:nvSpPr>
                 <p:cNvPr id="62" name="TextBox 61">
@@ -42682,6 +42673,7 @@
                 </a:bodyPr>
                 <a:lstStyle/>
                 <a:p>
+                  <a:pPr/>
                   <a14:m>
                     <m:oMathPara xmlns:m="http://schemas.openxmlformats.org/officeDocument/2006/math">
                       <m:oMathParaPr>
@@ -42714,7 +42706,7 @@
               </p:txBody>
             </p:sp>
           </mc:Choice>
-          <mc:Fallback>
+          <mc:Fallback xmlns="">
             <p:sp>
               <p:nvSpPr>
                 <p:cNvPr id="62" name="TextBox 61">
@@ -42759,8 +42751,8 @@
             </p:sp>
           </mc:Fallback>
         </mc:AlternateContent>
-        <mc:AlternateContent xmlns:mc="http://schemas.openxmlformats.org/markup-compatibility/2006">
-          <mc:Choice xmlns:a14="http://schemas.microsoft.com/office/drawing/2010/main" Requires="a14">
+        <mc:AlternateContent xmlns:mc="http://schemas.openxmlformats.org/markup-compatibility/2006" xmlns:a14="http://schemas.microsoft.com/office/drawing/2010/main">
+          <mc:Choice Requires="a14">
             <p:sp>
               <p:nvSpPr>
                 <p:cNvPr id="63" name="TextBox 62">
@@ -42789,6 +42781,7 @@
                 </a:bodyPr>
                 <a:lstStyle/>
                 <a:p>
+                  <a:pPr/>
                   <a14:m>
                     <m:oMathPara xmlns:m="http://schemas.openxmlformats.org/officeDocument/2006/math">
                       <m:oMathParaPr>
@@ -42821,7 +42814,7 @@
               </p:txBody>
             </p:sp>
           </mc:Choice>
-          <mc:Fallback>
+          <mc:Fallback xmlns="">
             <p:sp>
               <p:nvSpPr>
                 <p:cNvPr id="63" name="TextBox 62">
@@ -42866,8 +42859,8 @@
             </p:sp>
           </mc:Fallback>
         </mc:AlternateContent>
-        <mc:AlternateContent xmlns:mc="http://schemas.openxmlformats.org/markup-compatibility/2006">
-          <mc:Choice xmlns:a14="http://schemas.microsoft.com/office/drawing/2010/main" Requires="a14">
+        <mc:AlternateContent xmlns:mc="http://schemas.openxmlformats.org/markup-compatibility/2006" xmlns:a14="http://schemas.microsoft.com/office/drawing/2010/main">
+          <mc:Choice Requires="a14">
             <p:sp>
               <p:nvSpPr>
                 <p:cNvPr id="64" name="TextBox 63">
@@ -42896,6 +42889,7 @@
                 </a:bodyPr>
                 <a:lstStyle/>
                 <a:p>
+                  <a:pPr/>
                   <a14:m>
                     <m:oMathPara xmlns:m="http://schemas.openxmlformats.org/officeDocument/2006/math">
                       <m:oMathParaPr>
@@ -42928,7 +42922,7 @@
               </p:txBody>
             </p:sp>
           </mc:Choice>
-          <mc:Fallback>
+          <mc:Fallback xmlns="">
             <p:sp>
               <p:nvSpPr>
                 <p:cNvPr id="64" name="TextBox 63">
@@ -42973,8 +42967,8 @@
             </p:sp>
           </mc:Fallback>
         </mc:AlternateContent>
-        <mc:AlternateContent xmlns:mc="http://schemas.openxmlformats.org/markup-compatibility/2006">
-          <mc:Choice xmlns:a14="http://schemas.microsoft.com/office/drawing/2010/main" Requires="a14">
+        <mc:AlternateContent xmlns:mc="http://schemas.openxmlformats.org/markup-compatibility/2006" xmlns:a14="http://schemas.microsoft.com/office/drawing/2010/main">
+          <mc:Choice Requires="a14">
             <p:sp>
               <p:nvSpPr>
                 <p:cNvPr id="65" name="TextBox 64">
@@ -43003,6 +42997,7 @@
                 </a:bodyPr>
                 <a:lstStyle/>
                 <a:p>
+                  <a:pPr/>
                   <a14:m>
                     <m:oMathPara xmlns:m="http://schemas.openxmlformats.org/officeDocument/2006/math">
                       <m:oMathParaPr>
@@ -43035,7 +43030,7 @@
               </p:txBody>
             </p:sp>
           </mc:Choice>
-          <mc:Fallback>
+          <mc:Fallback xmlns="">
             <p:sp>
               <p:nvSpPr>
                 <p:cNvPr id="65" name="TextBox 64">
@@ -43080,8 +43075,8 @@
             </p:sp>
           </mc:Fallback>
         </mc:AlternateContent>
-        <mc:AlternateContent xmlns:mc="http://schemas.openxmlformats.org/markup-compatibility/2006">
-          <mc:Choice xmlns:a14="http://schemas.microsoft.com/office/drawing/2010/main" Requires="a14">
+        <mc:AlternateContent xmlns:mc="http://schemas.openxmlformats.org/markup-compatibility/2006" xmlns:a14="http://schemas.microsoft.com/office/drawing/2010/main">
+          <mc:Choice Requires="a14">
             <p:sp>
               <p:nvSpPr>
                 <p:cNvPr id="66" name="TextBox 65">
@@ -43110,6 +43105,7 @@
                 </a:bodyPr>
                 <a:lstStyle/>
                 <a:p>
+                  <a:pPr/>
                   <a14:m>
                     <m:oMathPara xmlns:m="http://schemas.openxmlformats.org/officeDocument/2006/math">
                       <m:oMathParaPr>
@@ -43142,7 +43138,7 @@
               </p:txBody>
             </p:sp>
           </mc:Choice>
-          <mc:Fallback>
+          <mc:Fallback xmlns="">
             <p:sp>
               <p:nvSpPr>
                 <p:cNvPr id="66" name="TextBox 65">
@@ -43187,8 +43183,8 @@
             </p:sp>
           </mc:Fallback>
         </mc:AlternateContent>
-        <mc:AlternateContent xmlns:mc="http://schemas.openxmlformats.org/markup-compatibility/2006">
-          <mc:Choice xmlns:a14="http://schemas.microsoft.com/office/drawing/2010/main" Requires="a14">
+        <mc:AlternateContent xmlns:mc="http://schemas.openxmlformats.org/markup-compatibility/2006" xmlns:a14="http://schemas.microsoft.com/office/drawing/2010/main">
+          <mc:Choice Requires="a14">
             <p:sp>
               <p:nvSpPr>
                 <p:cNvPr id="67" name="TextBox 66">
@@ -43217,6 +43213,7 @@
                 </a:bodyPr>
                 <a:lstStyle/>
                 <a:p>
+                  <a:pPr/>
                   <a14:m>
                     <m:oMathPara xmlns:m="http://schemas.openxmlformats.org/officeDocument/2006/math">
                       <m:oMathParaPr>
@@ -43249,7 +43246,7 @@
               </p:txBody>
             </p:sp>
           </mc:Choice>
-          <mc:Fallback>
+          <mc:Fallback xmlns="">
             <p:sp>
               <p:nvSpPr>
                 <p:cNvPr id="67" name="TextBox 66">
@@ -47067,8 +47064,8 @@
             </a:fontRef>
           </p:style>
         </p:cxnSp>
-        <mc:AlternateContent xmlns:mc="http://schemas.openxmlformats.org/markup-compatibility/2006">
-          <mc:Choice xmlns:a14="http://schemas.microsoft.com/office/drawing/2010/main" Requires="a14">
+        <mc:AlternateContent xmlns:mc="http://schemas.openxmlformats.org/markup-compatibility/2006" xmlns:a14="http://schemas.microsoft.com/office/drawing/2010/main">
+          <mc:Choice Requires="a14">
             <p:sp>
               <p:nvSpPr>
                 <p:cNvPr id="147" name="TextBox 146">
@@ -47141,7 +47138,7 @@
               </p:txBody>
             </p:sp>
           </mc:Choice>
-          <mc:Fallback>
+          <mc:Fallback xmlns="">
             <p:sp>
               <p:nvSpPr>
                 <p:cNvPr id="147" name="TextBox 146">
@@ -47186,8 +47183,8 @@
             </p:sp>
           </mc:Fallback>
         </mc:AlternateContent>
-        <mc:AlternateContent xmlns:mc="http://schemas.openxmlformats.org/markup-compatibility/2006">
-          <mc:Choice xmlns:a14="http://schemas.microsoft.com/office/drawing/2010/main" Requires="a14">
+        <mc:AlternateContent xmlns:mc="http://schemas.openxmlformats.org/markup-compatibility/2006" xmlns:a14="http://schemas.microsoft.com/office/drawing/2010/main">
+          <mc:Choice Requires="a14">
             <p:sp>
               <p:nvSpPr>
                 <p:cNvPr id="149" name="TextBox 148">
@@ -47266,7 +47263,7 @@
               </p:txBody>
             </p:sp>
           </mc:Choice>
-          <mc:Fallback>
+          <mc:Fallback xmlns="">
             <p:sp>
               <p:nvSpPr>
                 <p:cNvPr id="149" name="TextBox 148">
@@ -49010,8 +49007,8 @@
             </a:fontRef>
           </p:style>
         </p:cxnSp>
-        <mc:AlternateContent xmlns:mc="http://schemas.openxmlformats.org/markup-compatibility/2006">
-          <mc:Choice xmlns:a14="http://schemas.microsoft.com/office/drawing/2010/main" Requires="a14">
+        <mc:AlternateContent xmlns:mc="http://schemas.openxmlformats.org/markup-compatibility/2006" xmlns:a14="http://schemas.microsoft.com/office/drawing/2010/main">
+          <mc:Choice Requires="a14">
             <p:sp>
               <p:nvSpPr>
                 <p:cNvPr id="147" name="TextBox 146">
@@ -49059,7 +49056,7 @@
               </p:txBody>
             </p:sp>
           </mc:Choice>
-          <mc:Fallback>
+          <mc:Fallback xmlns="">
             <p:sp>
               <p:nvSpPr>
                 <p:cNvPr id="147" name="TextBox 146">
@@ -49104,8 +49101,8 @@
             </p:sp>
           </mc:Fallback>
         </mc:AlternateContent>
-        <mc:AlternateContent xmlns:mc="http://schemas.openxmlformats.org/markup-compatibility/2006">
-          <mc:Choice xmlns:a14="http://schemas.microsoft.com/office/drawing/2010/main" Requires="a14">
+        <mc:AlternateContent xmlns:mc="http://schemas.openxmlformats.org/markup-compatibility/2006" xmlns:a14="http://schemas.microsoft.com/office/drawing/2010/main">
+          <mc:Choice Requires="a14">
             <p:sp>
               <p:nvSpPr>
                 <p:cNvPr id="149" name="TextBox 148">
@@ -49159,7 +49156,7 @@
               </p:txBody>
             </p:sp>
           </mc:Choice>
-          <mc:Fallback>
+          <mc:Fallback xmlns="">
             <p:sp>
               <p:nvSpPr>
                 <p:cNvPr id="149" name="TextBox 148">
@@ -50872,8 +50869,8 @@
             </a:fontRef>
           </p:style>
         </p:cxnSp>
-        <mc:AlternateContent xmlns:mc="http://schemas.openxmlformats.org/markup-compatibility/2006">
-          <mc:Choice xmlns:a14="http://schemas.microsoft.com/office/drawing/2010/main" Requires="a14">
+        <mc:AlternateContent xmlns:mc="http://schemas.openxmlformats.org/markup-compatibility/2006" xmlns:a14="http://schemas.microsoft.com/office/drawing/2010/main">
+          <mc:Choice Requires="a14">
             <p:sp>
               <p:nvSpPr>
                 <p:cNvPr id="62" name="TextBox 61">
@@ -50921,7 +50918,7 @@
               </p:txBody>
             </p:sp>
           </mc:Choice>
-          <mc:Fallback>
+          <mc:Fallback xmlns="">
             <p:sp>
               <p:nvSpPr>
                 <p:cNvPr id="62" name="TextBox 61">
@@ -50966,8 +50963,8 @@
             </p:sp>
           </mc:Fallback>
         </mc:AlternateContent>
-        <mc:AlternateContent xmlns:mc="http://schemas.openxmlformats.org/markup-compatibility/2006">
-          <mc:Choice xmlns:a14="http://schemas.microsoft.com/office/drawing/2010/main" Requires="a14">
+        <mc:AlternateContent xmlns:mc="http://schemas.openxmlformats.org/markup-compatibility/2006" xmlns:a14="http://schemas.microsoft.com/office/drawing/2010/main">
+          <mc:Choice Requires="a14">
             <p:sp>
               <p:nvSpPr>
                 <p:cNvPr id="63" name="TextBox 62">
@@ -51021,7 +51018,7 @@
               </p:txBody>
             </p:sp>
           </mc:Choice>
-          <mc:Fallback>
+          <mc:Fallback xmlns="">
             <p:sp>
               <p:nvSpPr>
                 <p:cNvPr id="63" name="TextBox 62">
